--- a/neogeonames.pptx
+++ b/neogeonames.pptx
@@ -3686,11 +3686,11 @@
                   <a:avLst/>
                 </a:prstGeom>
                 <a:noFill/>
-                <a:ln>
+                <a:ln w="25400">
                   <a:solidFill>
                     <a:srgbClr val="FF0000"/>
                   </a:solidFill>
-                  <a:prstDash val="dash"/>
+                  <a:prstDash val="sysDot"/>
                 </a:ln>
               </p:spPr>
               <p:txBody>
@@ -3768,11 +3768,11 @@
                 <a:prstGeom prst="rect">
                   <a:avLst/>
                 </a:prstGeom>
-                <a:ln>
+                <a:ln w="25400">
                   <a:solidFill>
                     <a:srgbClr val="FF0000"/>
                   </a:solidFill>
-                  <a:prstDash val="dash"/>
+                  <a:prstDash val="sysDot"/>
                 </a:ln>
               </p:spPr>
               <p:txBody>
@@ -3812,11 +3812,11 @@
                 <a:prstGeom prst="rect">
                   <a:avLst/>
                 </a:prstGeom>
-                <a:ln>
+                <a:ln w="25400">
                   <a:solidFill>
                     <a:srgbClr val="FF0000"/>
                   </a:solidFill>
-                  <a:prstDash val="dash"/>
+                  <a:prstDash val="sysDot"/>
                 </a:ln>
               </p:spPr>
               <p:txBody>
@@ -3935,11 +3935,11 @@
                   <a:avLst/>
                 </a:prstGeom>
                 <a:noFill/>
-                <a:ln>
+                <a:ln w="25400">
                   <a:solidFill>
                     <a:srgbClr val="00B050"/>
                   </a:solidFill>
-                  <a:prstDash val="dash"/>
+                  <a:prstDash val="sysDot"/>
                 </a:ln>
               </p:spPr>
               <p:txBody>
@@ -4021,11 +4021,11 @@
                   <a:avLst/>
                 </a:prstGeom>
                 <a:noFill/>
-                <a:ln>
+                <a:ln w="25400">
                   <a:solidFill>
                     <a:srgbClr val="00B050"/>
                   </a:solidFill>
-                  <a:prstDash val="dash"/>
+                  <a:prstDash val="sysDot"/>
                 </a:ln>
               </p:spPr>
               <p:txBody>
@@ -4107,11 +4107,11 @@
                   <a:avLst/>
                 </a:prstGeom>
                 <a:noFill/>
-                <a:ln>
+                <a:ln w="25400">
                   <a:solidFill>
                     <a:srgbClr val="00B050"/>
                   </a:solidFill>
-                  <a:prstDash val="dash"/>
+                  <a:prstDash val="sysDot"/>
                 </a:ln>
               </p:spPr>
               <p:txBody>
@@ -4341,10 +4341,10 @@
       </p:grpSpPr>
       <p:pic>
         <p:nvPicPr>
-          <p:cNvPr id="44" name="Picture 43">
-            <a:extLst>
-              <a:ext uri="{FF2B5EF4-FFF2-40B4-BE49-F238E27FC236}">
-                <a16:creationId xmlns:a16="http://schemas.microsoft.com/office/drawing/2014/main" id="{F5F7B8CC-FE60-F740-97C8-578825E3612E}"/>
+          <p:cNvPr id="65" name="Picture 64">
+            <a:extLst>
+              <a:ext uri="{FF2B5EF4-FFF2-40B4-BE49-F238E27FC236}">
+                <a16:creationId xmlns:a16="http://schemas.microsoft.com/office/drawing/2014/main" id="{5F4C3E61-0524-ED45-A368-52554724FD1E}"/>
               </a:ext>
             </a:extLst>
           </p:cNvPr>
@@ -4440,11 +4440,11 @@
               <a:avLst/>
             </a:prstGeom>
             <a:noFill/>
-            <a:ln>
+            <a:ln w="25400">
               <a:solidFill>
                 <a:srgbClr val="FF0000"/>
               </a:solidFill>
-              <a:prstDash val="dash"/>
+              <a:prstDash val="sysDot"/>
             </a:ln>
           </p:spPr>
           <p:txBody>
@@ -4522,11 +4522,11 @@
             <a:prstGeom prst="rect">
               <a:avLst/>
             </a:prstGeom>
-            <a:ln>
+            <a:ln w="25400">
               <a:solidFill>
                 <a:srgbClr val="FF0000"/>
               </a:solidFill>
-              <a:prstDash val="dash"/>
+              <a:prstDash val="sysDot"/>
             </a:ln>
           </p:spPr>
           <p:txBody>
@@ -4566,11 +4566,11 @@
             <a:prstGeom prst="rect">
               <a:avLst/>
             </a:prstGeom>
-            <a:ln>
+            <a:ln w="25400">
               <a:solidFill>
                 <a:srgbClr val="FF0000"/>
               </a:solidFill>
-              <a:prstDash val="dash"/>
+              <a:prstDash val="sysDot"/>
             </a:ln>
           </p:spPr>
           <p:txBody>
@@ -4689,11 +4689,11 @@
               <a:avLst/>
             </a:prstGeom>
             <a:noFill/>
-            <a:ln>
+            <a:ln w="25400">
               <a:solidFill>
                 <a:srgbClr val="00B050"/>
               </a:solidFill>
-              <a:prstDash val="dash"/>
+              <a:prstDash val="sysDot"/>
             </a:ln>
           </p:spPr>
           <p:txBody>
@@ -4775,11 +4775,11 @@
               <a:avLst/>
             </a:prstGeom>
             <a:noFill/>
-            <a:ln>
+            <a:ln w="25400">
               <a:solidFill>
                 <a:srgbClr val="00B050"/>
               </a:solidFill>
-              <a:prstDash val="dash"/>
+              <a:prstDash val="sysDot"/>
             </a:ln>
           </p:spPr>
           <p:txBody>
@@ -4861,11 +4861,11 @@
               <a:avLst/>
             </a:prstGeom>
             <a:noFill/>
-            <a:ln>
+            <a:ln w="25400">
               <a:solidFill>
                 <a:srgbClr val="00B050"/>
               </a:solidFill>
-              <a:prstDash val="dash"/>
+              <a:prstDash val="sysDot"/>
             </a:ln>
           </p:spPr>
           <p:txBody>

--- a/neogeonames.pptx
+++ b/neogeonames.pptx
@@ -3325,23 +3325,21 @@
       </p:grpSpPr>
       <p:grpSp>
         <p:nvGrpSpPr>
-          <p:cNvPr id="1108" name="Group 1107">
-            <a:extLst>
-              <a:ext uri="{FF2B5EF4-FFF2-40B4-BE49-F238E27FC236}">
-                <a16:creationId xmlns:a16="http://schemas.microsoft.com/office/drawing/2014/main" id="{21A0AE7B-2C63-7746-9A7C-A1BD0301A757}"/>
-              </a:ext>
-            </a:extLst>
-          </p:cNvPr>
-          <p:cNvGrpSpPr>
-            <a:grpSpLocks noChangeAspect="1"/>
-          </p:cNvGrpSpPr>
+          <p:cNvPr id="1110" name="Group 1109">
+            <a:extLst>
+              <a:ext uri="{FF2B5EF4-FFF2-40B4-BE49-F238E27FC236}">
+                <a16:creationId xmlns:a16="http://schemas.microsoft.com/office/drawing/2014/main" id="{B9E2FB2F-887F-DF42-97C4-A8C14CD59433}"/>
+              </a:ext>
+            </a:extLst>
+          </p:cNvPr>
+          <p:cNvGrpSpPr/>
           <p:nvPr/>
         </p:nvGrpSpPr>
         <p:grpSpPr>
           <a:xfrm>
             <a:off x="3139950" y="14046"/>
             <a:ext cx="5912100" cy="6829908"/>
-            <a:chOff x="1863084" y="14046"/>
+            <a:chOff x="3139950" y="14046"/>
             <a:chExt cx="5912100" cy="6829908"/>
           </a:xfrm>
         </p:grpSpPr>
@@ -3359,7 +3357,7 @@
           </p:nvSpPr>
           <p:spPr>
             <a:xfrm>
-              <a:off x="1863084" y="14046"/>
+              <a:off x="3139950" y="14046"/>
               <a:ext cx="5912100" cy="6829908"/>
             </a:xfrm>
             <a:custGeom>
@@ -3588,10 +3586,10 @@
         </p:sp>
         <p:grpSp>
           <p:nvGrpSpPr>
-            <p:cNvPr id="1107" name="Group 1106">
+            <p:cNvPr id="1109" name="Group 1108">
               <a:extLst>
                 <a:ext uri="{FF2B5EF4-FFF2-40B4-BE49-F238E27FC236}">
-                  <a16:creationId xmlns:a16="http://schemas.microsoft.com/office/drawing/2014/main" id="{E7009F44-A608-0744-8C51-D6BC428C903D}"/>
+                  <a16:creationId xmlns:a16="http://schemas.microsoft.com/office/drawing/2014/main" id="{163939C3-3D61-1744-A254-CA54C7316C54}"/>
                 </a:ext>
               </a:extLst>
             </p:cNvPr>
@@ -3600,10 +3598,10 @@
           </p:nvGrpSpPr>
           <p:grpSpPr>
             <a:xfrm>
-              <a:off x="2452615" y="1295830"/>
-              <a:ext cx="4733039" cy="4700178"/>
-              <a:chOff x="2513469" y="1295830"/>
-              <a:chExt cx="4733039" cy="4700178"/>
+              <a:off x="3692928" y="1193272"/>
+              <a:ext cx="4806145" cy="4757216"/>
+              <a:chOff x="3692928" y="1117195"/>
+              <a:chExt cx="4806145" cy="4757216"/>
             </a:xfrm>
           </p:grpSpPr>
           <p:sp>
@@ -3620,7 +3618,7 @@
             </p:nvSpPr>
             <p:spPr>
               <a:xfrm>
-                <a:off x="3077251" y="1295830"/>
+                <a:off x="4293263" y="1117195"/>
                 <a:ext cx="3605474" cy="677108"/>
               </a:xfrm>
               <a:prstGeom prst="rect">
@@ -3647,10 +3645,10 @@
           </p:sp>
           <p:grpSp>
             <p:nvGrpSpPr>
-              <p:cNvPr id="170" name="Group 169">
+              <p:cNvPr id="192" name="Group 191">
                 <a:extLst>
                   <a:ext uri="{FF2B5EF4-FFF2-40B4-BE49-F238E27FC236}">
-                    <a16:creationId xmlns:a16="http://schemas.microsoft.com/office/drawing/2014/main" id="{96199C48-587D-BC4A-A725-06D035F2EDAC}"/>
+                    <a16:creationId xmlns:a16="http://schemas.microsoft.com/office/drawing/2014/main" id="{28B1469B-D7D6-3D42-AD1A-875AF8C1557C}"/>
                   </a:ext>
                 </a:extLst>
               </p:cNvPr>
@@ -3659,18 +3657,18 @@
             </p:nvGrpSpPr>
             <p:grpSpPr>
               <a:xfrm>
-                <a:off x="2513469" y="2198808"/>
-                <a:ext cx="4733039" cy="3797200"/>
-                <a:chOff x="3415618" y="1569179"/>
-                <a:chExt cx="4733039" cy="3797200"/>
+                <a:off x="3692928" y="2077211"/>
+                <a:ext cx="4806145" cy="3797200"/>
+                <a:chOff x="3729482" y="1530400"/>
+                <a:chExt cx="4806145" cy="3797200"/>
               </a:xfrm>
             </p:grpSpPr>
             <p:sp>
               <p:nvSpPr>
-                <p:cNvPr id="171" name="TextBox 170">
+                <p:cNvPr id="193" name="TextBox 192">
                   <a:extLst>
                     <a:ext uri="{FF2B5EF4-FFF2-40B4-BE49-F238E27FC236}">
-                      <a16:creationId xmlns:a16="http://schemas.microsoft.com/office/drawing/2014/main" id="{C72D700C-CF81-DF4D-872C-C183D13E65BC}"/>
+                      <a16:creationId xmlns:a16="http://schemas.microsoft.com/office/drawing/2014/main" id="{DA9B7762-BA1F-DE4D-BE00-CD9B631FFB3D}"/>
                     </a:ext>
                   </a:extLst>
                 </p:cNvPr>
@@ -3679,7 +3677,7 @@
               </p:nvSpPr>
               <p:spPr>
                 <a:xfrm>
-                  <a:off x="3415619" y="1569179"/>
+                  <a:off x="3729482" y="1530400"/>
                   <a:ext cx="651139" cy="457200"/>
                 </a:xfrm>
                 <a:prstGeom prst="rect">
@@ -3712,10 +3710,10 @@
             </p:sp>
             <p:sp>
               <p:nvSpPr>
-                <p:cNvPr id="172" name="Rectangle 171">
+                <p:cNvPr id="194" name="Rectangle 193">
                   <a:extLst>
                     <a:ext uri="{FF2B5EF4-FFF2-40B4-BE49-F238E27FC236}">
-                      <a16:creationId xmlns:a16="http://schemas.microsoft.com/office/drawing/2014/main" id="{8C900CDE-171F-4F48-8564-067187EC06DD}"/>
+                      <a16:creationId xmlns:a16="http://schemas.microsoft.com/office/drawing/2014/main" id="{8E6CF982-76F0-9B44-8919-3BB00BE01515}"/>
                     </a:ext>
                   </a:extLst>
                 </p:cNvPr>
@@ -3724,7 +3722,7 @@
               </p:nvSpPr>
               <p:spPr>
                 <a:xfrm>
-                  <a:off x="4066758" y="1569179"/>
+                  <a:off x="4380621" y="1530400"/>
                   <a:ext cx="228600" cy="457200"/>
                 </a:xfrm>
                 <a:prstGeom prst="rect">
@@ -3750,10 +3748,10 @@
             </p:sp>
             <p:sp>
               <p:nvSpPr>
-                <p:cNvPr id="173" name="Rectangle 172">
+                <p:cNvPr id="195" name="Rectangle 194">
                   <a:extLst>
                     <a:ext uri="{FF2B5EF4-FFF2-40B4-BE49-F238E27FC236}">
-                      <a16:creationId xmlns:a16="http://schemas.microsoft.com/office/drawing/2014/main" id="{EAB55150-3B24-184C-BE96-5F808FE5EE9F}"/>
+                      <a16:creationId xmlns:a16="http://schemas.microsoft.com/office/drawing/2014/main" id="{5E729665-E5FA-CD46-9C41-139A7B923253}"/>
                     </a:ext>
                   </a:extLst>
                 </p:cNvPr>
@@ -3762,8 +3760,8 @@
               </p:nvSpPr>
               <p:spPr>
                 <a:xfrm>
-                  <a:off x="4181058" y="1569179"/>
-                  <a:ext cx="2424703" cy="457200"/>
+                  <a:off x="4609220" y="1543557"/>
+                  <a:ext cx="2269211" cy="430887"/>
                 </a:xfrm>
                 <a:prstGeom prst="rect">
                   <a:avLst/>
@@ -3786,7 +3784,7 @@
                       <a:latin typeface="Consolas" panose="020B0609020204030204" pitchFamily="49" charset="0"/>
                       <a:cs typeface="Consolas" panose="020B0609020204030204" pitchFamily="49" charset="0"/>
                     </a:rPr>
-                    <a:t>Fairfax Country</a:t>
+                    <a:t>Fairfax County</a:t>
                   </a:r>
                   <a:endParaRPr lang="en-US" sz="2200" dirty="0"/>
                 </a:p>
@@ -3794,10 +3792,10 @@
             </p:sp>
             <p:sp>
               <p:nvSpPr>
-                <p:cNvPr id="174" name="Rectangle 173">
+                <p:cNvPr id="196" name="Rectangle 195">
                   <a:extLst>
                     <a:ext uri="{FF2B5EF4-FFF2-40B4-BE49-F238E27FC236}">
-                      <a16:creationId xmlns:a16="http://schemas.microsoft.com/office/drawing/2014/main" id="{8B44EBC7-E427-3940-AED2-04DD34191FA7}"/>
+                      <a16:creationId xmlns:a16="http://schemas.microsoft.com/office/drawing/2014/main" id="{EB06DF9F-1F3F-C74B-AD8C-1F0BE4AAEED8}"/>
                     </a:ext>
                   </a:extLst>
                 </p:cNvPr>
@@ -3806,7 +3804,7 @@
               </p:nvSpPr>
               <p:spPr>
                 <a:xfrm>
-                  <a:off x="6720061" y="1569179"/>
+                  <a:off x="7107031" y="1530400"/>
                   <a:ext cx="1428596" cy="457200"/>
                 </a:xfrm>
                 <a:prstGeom prst="rect">
@@ -3837,10 +3835,10 @@
             </p:sp>
             <p:sp>
               <p:nvSpPr>
-                <p:cNvPr id="175" name="Rectangle 174">
+                <p:cNvPr id="197" name="Rectangle 196">
                   <a:extLst>
                     <a:ext uri="{FF2B5EF4-FFF2-40B4-BE49-F238E27FC236}">
-                      <a16:creationId xmlns:a16="http://schemas.microsoft.com/office/drawing/2014/main" id="{F6A247BB-A433-9347-948E-994BAB42C5D0}"/>
+                      <a16:creationId xmlns:a16="http://schemas.microsoft.com/office/drawing/2014/main" id="{AAF3D037-EFE6-D34A-841E-AE97DC54D563}"/>
                     </a:ext>
                   </a:extLst>
                 </p:cNvPr>
@@ -3849,7 +3847,7 @@
               </p:nvSpPr>
               <p:spPr>
                 <a:xfrm>
-                  <a:off x="6605761" y="1569179"/>
+                  <a:off x="6878431" y="1530400"/>
                   <a:ext cx="228600" cy="457200"/>
                 </a:xfrm>
                 <a:prstGeom prst="rect">
@@ -3875,10 +3873,10 @@
             </p:sp>
             <p:cxnSp>
               <p:nvCxnSpPr>
-                <p:cNvPr id="176" name="Straight Arrow Connector 175">
+                <p:cNvPr id="198" name="Straight Arrow Connector 197">
                   <a:extLst>
                     <a:ext uri="{FF2B5EF4-FFF2-40B4-BE49-F238E27FC236}">
-                      <a16:creationId xmlns:a16="http://schemas.microsoft.com/office/drawing/2014/main" id="{9D315FE8-4E6A-AF4F-8E89-E3A5AB90230E}"/>
+                      <a16:creationId xmlns:a16="http://schemas.microsoft.com/office/drawing/2014/main" id="{88F310A1-5085-284B-8ED0-2228F73769D7}"/>
                     </a:ext>
                   </a:extLst>
                 </p:cNvPr>
@@ -3889,7 +3887,7 @@
               </p:nvCxnSpPr>
               <p:spPr>
                 <a:xfrm>
-                  <a:off x="3741188" y="2096179"/>
+                  <a:off x="4055051" y="2057400"/>
                   <a:ext cx="0" cy="914400"/>
                 </a:xfrm>
                 <a:prstGeom prst="straightConnector1">
@@ -3916,10 +3914,10 @@
             </p:cxnSp>
             <p:sp>
               <p:nvSpPr>
-                <p:cNvPr id="177" name="TextBox 176">
+                <p:cNvPr id="199" name="TextBox 198">
                   <a:extLst>
                     <a:ext uri="{FF2B5EF4-FFF2-40B4-BE49-F238E27FC236}">
-                      <a16:creationId xmlns:a16="http://schemas.microsoft.com/office/drawing/2014/main" id="{D12358C4-C7E3-0047-BAC4-878B09ED1AFE}"/>
+                      <a16:creationId xmlns:a16="http://schemas.microsoft.com/office/drawing/2014/main" id="{0AC5EBFE-D1B0-2F45-87FF-78C21D0A2444}"/>
                     </a:ext>
                   </a:extLst>
                 </p:cNvPr>
@@ -3928,7 +3926,7 @@
               </p:nvSpPr>
               <p:spPr>
                 <a:xfrm>
-                  <a:off x="3415618" y="3080379"/>
+                  <a:off x="3729482" y="3041600"/>
                   <a:ext cx="651139" cy="457200"/>
                 </a:xfrm>
                 <a:prstGeom prst="rect">
@@ -3961,10 +3959,10 @@
             </p:sp>
             <p:cxnSp>
               <p:nvCxnSpPr>
-                <p:cNvPr id="178" name="Straight Arrow Connector 177">
+                <p:cNvPr id="200" name="Straight Arrow Connector 199">
                   <a:extLst>
                     <a:ext uri="{FF2B5EF4-FFF2-40B4-BE49-F238E27FC236}">
-                      <a16:creationId xmlns:a16="http://schemas.microsoft.com/office/drawing/2014/main" id="{AA912FB1-2E92-0444-89D0-AA397CCDE48A}"/>
+                      <a16:creationId xmlns:a16="http://schemas.microsoft.com/office/drawing/2014/main" id="{E0A7A90A-D7D8-AE45-8214-72B5484C68F7}"/>
                     </a:ext>
                   </a:extLst>
                 </p:cNvPr>
@@ -3975,7 +3973,7 @@
               </p:nvCxnSpPr>
               <p:spPr>
                 <a:xfrm>
-                  <a:off x="7434359" y="2096179"/>
+                  <a:off x="7821329" y="2057400"/>
                   <a:ext cx="0" cy="1828800"/>
                 </a:xfrm>
                 <a:prstGeom prst="straightConnector1">
@@ -4002,10 +4000,10 @@
             </p:cxnSp>
             <p:sp>
               <p:nvSpPr>
-                <p:cNvPr id="179" name="TextBox 178">
+                <p:cNvPr id="201" name="TextBox 200">
                   <a:extLst>
                     <a:ext uri="{FF2B5EF4-FFF2-40B4-BE49-F238E27FC236}">
-                      <a16:creationId xmlns:a16="http://schemas.microsoft.com/office/drawing/2014/main" id="{00849013-14C0-C942-AB3B-0111F11F9F32}"/>
+                      <a16:creationId xmlns:a16="http://schemas.microsoft.com/office/drawing/2014/main" id="{1CFB9912-82B1-EC41-A225-A2470E6FCC3F}"/>
                     </a:ext>
                   </a:extLst>
                 </p:cNvPr>
@@ -4014,7 +4012,7 @@
               </p:nvSpPr>
               <p:spPr>
                 <a:xfrm>
-                  <a:off x="7172107" y="3994523"/>
+                  <a:off x="7559078" y="3955744"/>
                   <a:ext cx="524503" cy="457200"/>
                 </a:xfrm>
                 <a:prstGeom prst="rect">
@@ -4047,10 +4045,10 @@
             </p:sp>
             <p:cxnSp>
               <p:nvCxnSpPr>
-                <p:cNvPr id="180" name="Straight Arrow Connector 179">
+                <p:cNvPr id="202" name="Straight Arrow Connector 201">
                   <a:extLst>
                     <a:ext uri="{FF2B5EF4-FFF2-40B4-BE49-F238E27FC236}">
-                      <a16:creationId xmlns:a16="http://schemas.microsoft.com/office/drawing/2014/main" id="{407E964C-19B0-F142-B2F2-902E132FD515}"/>
+                      <a16:creationId xmlns:a16="http://schemas.microsoft.com/office/drawing/2014/main" id="{8CC10EE3-4ADB-6344-9D72-5290CD3568D1}"/>
                     </a:ext>
                   </a:extLst>
                 </p:cNvPr>
@@ -4061,7 +4059,7 @@
               </p:nvCxnSpPr>
               <p:spPr>
                 <a:xfrm>
-                  <a:off x="5393409" y="2096179"/>
+                  <a:off x="5743825" y="2057400"/>
                   <a:ext cx="0" cy="2743200"/>
                 </a:xfrm>
                 <a:prstGeom prst="straightConnector1">
@@ -4088,10 +4086,10 @@
             </p:cxnSp>
             <p:sp>
               <p:nvSpPr>
-                <p:cNvPr id="181" name="TextBox 180">
+                <p:cNvPr id="203" name="TextBox 202">
                   <a:extLst>
                     <a:ext uri="{FF2B5EF4-FFF2-40B4-BE49-F238E27FC236}">
-                      <a16:creationId xmlns:a16="http://schemas.microsoft.com/office/drawing/2014/main" id="{501F5790-2639-9B4F-BB5A-3C0727503B2D}"/>
+                      <a16:creationId xmlns:a16="http://schemas.microsoft.com/office/drawing/2014/main" id="{B95FF887-EA72-2D49-8AD0-8B89DE7217F6}"/>
                     </a:ext>
                   </a:extLst>
                 </p:cNvPr>
@@ -4100,7 +4098,7 @@
               </p:nvSpPr>
               <p:spPr>
                 <a:xfrm>
-                  <a:off x="5067839" y="4909179"/>
+                  <a:off x="5418256" y="4870400"/>
                   <a:ext cx="651139" cy="457200"/>
                 </a:xfrm>
                 <a:prstGeom prst="rect">
@@ -4133,10 +4131,10 @@
             </p:sp>
             <p:cxnSp>
               <p:nvCxnSpPr>
-                <p:cNvPr id="182" name="Straight Arrow Connector 181">
+                <p:cNvPr id="204" name="Straight Arrow Connector 203">
                   <a:extLst>
                     <a:ext uri="{FF2B5EF4-FFF2-40B4-BE49-F238E27FC236}">
-                      <a16:creationId xmlns:a16="http://schemas.microsoft.com/office/drawing/2014/main" id="{902553BE-090A-B449-A8DC-783A192C87D8}"/>
+                      <a16:creationId xmlns:a16="http://schemas.microsoft.com/office/drawing/2014/main" id="{ABC1CDF4-F5F0-5F49-9BAA-D6A6549A50F6}"/>
                     </a:ext>
                   </a:extLst>
                 </p:cNvPr>
@@ -4147,8 +4145,8 @@
               </p:nvCxnSpPr>
               <p:spPr>
                 <a:xfrm>
-                  <a:off x="4136557" y="3308979"/>
-                  <a:ext cx="1143669" cy="0"/>
+                  <a:off x="4450420" y="3270200"/>
+                  <a:ext cx="1180222" cy="0"/>
                 </a:xfrm>
                 <a:prstGeom prst="straightConnector1">
                   <a:avLst/>
@@ -4174,10 +4172,10 @@
             </p:cxnSp>
             <p:sp>
               <p:nvSpPr>
-                <p:cNvPr id="183" name="Arc 182">
+                <p:cNvPr id="205" name="Arc 204">
                   <a:extLst>
                     <a:ext uri="{FF2B5EF4-FFF2-40B4-BE49-F238E27FC236}">
-                      <a16:creationId xmlns:a16="http://schemas.microsoft.com/office/drawing/2014/main" id="{6E9878CE-2C49-D14D-A7BB-59DBB4E056DE}"/>
+                      <a16:creationId xmlns:a16="http://schemas.microsoft.com/office/drawing/2014/main" id="{60AAB7C3-CD98-4F43-B439-C5DDAE0996E8}"/>
                     </a:ext>
                   </a:extLst>
                 </p:cNvPr>
@@ -4188,7 +4186,7 @@
               </p:nvSpPr>
               <p:spPr>
                 <a:xfrm>
-                  <a:off x="5280226" y="3195796"/>
+                  <a:off x="5630642" y="3157017"/>
                   <a:ext cx="226367" cy="226367"/>
                 </a:xfrm>
                 <a:prstGeom prst="arc">
@@ -4224,10 +4222,10 @@
             </p:sp>
             <p:cxnSp>
               <p:nvCxnSpPr>
-                <p:cNvPr id="184" name="Straight Arrow Connector 183">
+                <p:cNvPr id="206" name="Straight Arrow Connector 205">
                   <a:extLst>
                     <a:ext uri="{FF2B5EF4-FFF2-40B4-BE49-F238E27FC236}">
-                      <a16:creationId xmlns:a16="http://schemas.microsoft.com/office/drawing/2014/main" id="{E1C166E1-B69F-5D4B-9CEB-87E2D8B109F9}"/>
+                      <a16:creationId xmlns:a16="http://schemas.microsoft.com/office/drawing/2014/main" id="{FA48FD09-1392-1248-BCE4-A3E1835A7F91}"/>
                     </a:ext>
                   </a:extLst>
                 </p:cNvPr>
@@ -4238,8 +4236,8 @@
               </p:nvCxnSpPr>
               <p:spPr>
                 <a:xfrm>
-                  <a:off x="5506593" y="3308979"/>
-                  <a:ext cx="1927766" cy="0"/>
+                  <a:off x="5857009" y="3270200"/>
+                  <a:ext cx="1964320" cy="0"/>
                 </a:xfrm>
                 <a:prstGeom prst="straightConnector1">
                   <a:avLst/>
@@ -4266,10 +4264,10 @@
             </p:cxnSp>
             <p:cxnSp>
               <p:nvCxnSpPr>
-                <p:cNvPr id="185" name="Straight Arrow Connector 184">
+                <p:cNvPr id="207" name="Straight Arrow Connector 206">
                   <a:extLst>
                     <a:ext uri="{FF2B5EF4-FFF2-40B4-BE49-F238E27FC236}">
-                      <a16:creationId xmlns:a16="http://schemas.microsoft.com/office/drawing/2014/main" id="{886E0E3D-049E-9142-BB1C-9B047BE5D281}"/>
+                      <a16:creationId xmlns:a16="http://schemas.microsoft.com/office/drawing/2014/main" id="{3E48CF28-D4DA-744B-AC26-8F0BD2333D85}"/>
                     </a:ext>
                   </a:extLst>
                 </p:cNvPr>
@@ -4280,8 +4278,8 @@
               </p:nvCxnSpPr>
               <p:spPr>
                 <a:xfrm flipH="1">
-                  <a:off x="5393409" y="4223123"/>
-                  <a:ext cx="1708898" cy="0"/>
+                  <a:off x="5743825" y="4184344"/>
+                  <a:ext cx="1755095" cy="0"/>
                 </a:xfrm>
                 <a:prstGeom prst="straightConnector1">
                   <a:avLst/>
@@ -4341,10 +4339,10 @@
       </p:grpSpPr>
       <p:pic>
         <p:nvPicPr>
-          <p:cNvPr id="65" name="Picture 64">
-            <a:extLst>
-              <a:ext uri="{FF2B5EF4-FFF2-40B4-BE49-F238E27FC236}">
-                <a16:creationId xmlns:a16="http://schemas.microsoft.com/office/drawing/2014/main" id="{5F4C3E61-0524-ED45-A368-52554724FD1E}"/>
+          <p:cNvPr id="88" name="Picture 87">
+            <a:extLst>
+              <a:ext uri="{FF2B5EF4-FFF2-40B4-BE49-F238E27FC236}">
+                <a16:creationId xmlns:a16="http://schemas.microsoft.com/office/drawing/2014/main" id="{A39C5496-F481-B940-93B2-579E764D9B09}"/>
               </a:ext>
             </a:extLst>
           </p:cNvPr>
@@ -4361,7 +4359,7 @@
         </p:blipFill>
         <p:spPr>
           <a:xfrm>
-            <a:off x="5181600" y="2373319"/>
+            <a:off x="5181600" y="2373320"/>
             <a:ext cx="1828800" cy="2111361"/>
           </a:xfrm>
           <a:prstGeom prst="rect">
@@ -4401,10 +4399,10 @@
       </p:grpSpPr>
       <p:grpSp>
         <p:nvGrpSpPr>
-          <p:cNvPr id="57" name="Group 56">
-            <a:extLst>
-              <a:ext uri="{FF2B5EF4-FFF2-40B4-BE49-F238E27FC236}">
-                <a16:creationId xmlns:a16="http://schemas.microsoft.com/office/drawing/2014/main" id="{3420B6ED-A722-3C4B-A6A0-5750DAB443DB}"/>
+          <p:cNvPr id="77" name="Group 76">
+            <a:extLst>
+              <a:ext uri="{FF2B5EF4-FFF2-40B4-BE49-F238E27FC236}">
+                <a16:creationId xmlns:a16="http://schemas.microsoft.com/office/drawing/2014/main" id="{93691791-D22D-3046-86C8-68AD102B9D34}"/>
               </a:ext>
             </a:extLst>
           </p:cNvPr>
@@ -4413,10 +4411,10 @@
         </p:nvGrpSpPr>
         <p:grpSpPr>
           <a:xfrm>
-            <a:off x="3729481" y="1530400"/>
-            <a:ext cx="4733039" cy="3797200"/>
-            <a:chOff x="3415618" y="1569179"/>
-            <a:chExt cx="4733039" cy="3797200"/>
+            <a:off x="3692928" y="1530400"/>
+            <a:ext cx="4806145" cy="3797200"/>
+            <a:chOff x="3729482" y="1530400"/>
+            <a:chExt cx="4806145" cy="3797200"/>
           </a:xfrm>
         </p:grpSpPr>
         <p:sp>
@@ -4433,7 +4431,7 @@
           </p:nvSpPr>
           <p:spPr>
             <a:xfrm>
-              <a:off x="3415619" y="1569179"/>
+              <a:off x="3729482" y="1530400"/>
               <a:ext cx="651139" cy="457200"/>
             </a:xfrm>
             <a:prstGeom prst="rect">
@@ -4478,7 +4476,7 @@
           </p:nvSpPr>
           <p:spPr>
             <a:xfrm>
-              <a:off x="4066758" y="1569179"/>
+              <a:off x="4380621" y="1530400"/>
               <a:ext cx="228600" cy="457200"/>
             </a:xfrm>
             <a:prstGeom prst="rect">
@@ -4516,8 +4514,8 @@
           </p:nvSpPr>
           <p:spPr>
             <a:xfrm>
-              <a:off x="4181058" y="1569179"/>
-              <a:ext cx="2424703" cy="457200"/>
+              <a:off x="4609220" y="1543557"/>
+              <a:ext cx="2269211" cy="430887"/>
             </a:xfrm>
             <a:prstGeom prst="rect">
               <a:avLst/>
@@ -4540,7 +4538,7 @@
                   <a:latin typeface="Consolas" panose="020B0609020204030204" pitchFamily="49" charset="0"/>
                   <a:cs typeface="Consolas" panose="020B0609020204030204" pitchFamily="49" charset="0"/>
                 </a:rPr>
-                <a:t>Fairfax Country</a:t>
+                <a:t>Fairfax County</a:t>
               </a:r>
               <a:endParaRPr lang="en-US" sz="2200" dirty="0"/>
             </a:p>
@@ -4560,7 +4558,7 @@
           </p:nvSpPr>
           <p:spPr>
             <a:xfrm>
-              <a:off x="6720061" y="1569179"/>
+              <a:off x="7107031" y="1530400"/>
               <a:ext cx="1428596" cy="457200"/>
             </a:xfrm>
             <a:prstGeom prst="rect">
@@ -4603,7 +4601,7 @@
           </p:nvSpPr>
           <p:spPr>
             <a:xfrm>
-              <a:off x="6605761" y="1569179"/>
+              <a:off x="6878431" y="1530400"/>
               <a:ext cx="228600" cy="457200"/>
             </a:xfrm>
             <a:prstGeom prst="rect">
@@ -4643,7 +4641,7 @@
           </p:nvCxnSpPr>
           <p:spPr>
             <a:xfrm>
-              <a:off x="3741188" y="2096179"/>
+              <a:off x="4055051" y="2057400"/>
               <a:ext cx="0" cy="914400"/>
             </a:xfrm>
             <a:prstGeom prst="straightConnector1">
@@ -4682,7 +4680,7 @@
           </p:nvSpPr>
           <p:spPr>
             <a:xfrm>
-              <a:off x="3415618" y="3080379"/>
+              <a:off x="3729482" y="3041600"/>
               <a:ext cx="651139" cy="457200"/>
             </a:xfrm>
             <a:prstGeom prst="rect">
@@ -4729,7 +4727,7 @@
           </p:nvCxnSpPr>
           <p:spPr>
             <a:xfrm>
-              <a:off x="7434359" y="2096179"/>
+              <a:off x="7821329" y="2057400"/>
               <a:ext cx="0" cy="1828800"/>
             </a:xfrm>
             <a:prstGeom prst="straightConnector1">
@@ -4768,7 +4766,7 @@
           </p:nvSpPr>
           <p:spPr>
             <a:xfrm>
-              <a:off x="7172107" y="3994523"/>
+              <a:off x="7559078" y="3955744"/>
               <a:ext cx="524503" cy="457200"/>
             </a:xfrm>
             <a:prstGeom prst="rect">
@@ -4815,7 +4813,7 @@
           </p:nvCxnSpPr>
           <p:spPr>
             <a:xfrm>
-              <a:off x="5393409" y="2096179"/>
+              <a:off x="5743825" y="2057400"/>
               <a:ext cx="0" cy="2743200"/>
             </a:xfrm>
             <a:prstGeom prst="straightConnector1">
@@ -4854,7 +4852,7 @@
           </p:nvSpPr>
           <p:spPr>
             <a:xfrm>
-              <a:off x="5067839" y="4909179"/>
+              <a:off x="5418256" y="4870400"/>
               <a:ext cx="651139" cy="457200"/>
             </a:xfrm>
             <a:prstGeom prst="rect">
@@ -4901,8 +4899,8 @@
           </p:nvCxnSpPr>
           <p:spPr>
             <a:xfrm>
-              <a:off x="4136557" y="3308979"/>
-              <a:ext cx="1143669" cy="0"/>
+              <a:off x="4450420" y="3270200"/>
+              <a:ext cx="1180222" cy="0"/>
             </a:xfrm>
             <a:prstGeom prst="straightConnector1">
               <a:avLst/>
@@ -4942,7 +4940,7 @@
           </p:nvSpPr>
           <p:spPr>
             <a:xfrm>
-              <a:off x="5280226" y="3195796"/>
+              <a:off x="5630642" y="3157017"/>
               <a:ext cx="226367" cy="226367"/>
             </a:xfrm>
             <a:prstGeom prst="arc">
@@ -4992,8 +4990,8 @@
           </p:nvCxnSpPr>
           <p:spPr>
             <a:xfrm>
-              <a:off x="5506593" y="3308979"/>
-              <a:ext cx="1927766" cy="0"/>
+              <a:off x="5857009" y="3270200"/>
+              <a:ext cx="1964320" cy="0"/>
             </a:xfrm>
             <a:prstGeom prst="straightConnector1">
               <a:avLst/>
@@ -5034,8 +5032,8 @@
           </p:nvCxnSpPr>
           <p:spPr>
             <a:xfrm flipH="1">
-              <a:off x="5393409" y="4223123"/>
-              <a:ext cx="1708898" cy="0"/>
+              <a:off x="5743825" y="4184344"/>
+              <a:ext cx="1755095" cy="0"/>
             </a:xfrm>
             <a:prstGeom prst="straightConnector1">
               <a:avLst/>
